--- a/3. Presentation/Presentation.pptx
+++ b/3. Presentation/Presentation.pptx
@@ -34890,7 +34890,7 @@
         <p:spPr>
           <a:xfrm>
             <a:off x="5247438" y="1212064"/>
-            <a:ext cx="3600000" cy="2700000"/>
+            <a:ext cx="3313724" cy="2485293"/>
           </a:xfrm>
           <a:prstGeom prst="rect">
             <a:avLst/>
@@ -35190,6 +35190,47 @@
               <a:rPr lang="en-US" dirty="0"/>
               <a:t>active methods are attractive but hard to certificate</a:t>
             </a:r>
+          </a:p>
+        </p:txBody>
+      </p:sp>
+      <p:sp>
+        <p:nvSpPr>
+          <p:cNvPr id="13" name="TextBox 12">
+            <a:extLst>
+              <a:ext uri="{FF2B5EF4-FFF2-40B4-BE49-F238E27FC236}">
+                <a16:creationId xmlns:a16="http://schemas.microsoft.com/office/drawing/2014/main" id="{68C60CFF-A6B6-406A-A863-D4CD6750CB89}"/>
+              </a:ext>
+            </a:extLst>
+          </p:cNvPr>
+          <p:cNvSpPr txBox="1"/>
+          <p:nvPr/>
+        </p:nvSpPr>
+        <p:spPr>
+          <a:xfrm>
+            <a:off x="4944424" y="3407307"/>
+            <a:ext cx="3932197" cy="246221"/>
+          </a:xfrm>
+          <a:prstGeom prst="rect">
+            <a:avLst/>
+          </a:prstGeom>
+          <a:noFill/>
+        </p:spPr>
+        <p:txBody>
+          <a:bodyPr wrap="square" rtlCol="0">
+            <a:spAutoFit/>
+          </a:bodyPr>
+          <a:lstStyle/>
+          <a:p>
+            <a:pPr algn="ctr"/>
+            <a:r>
+              <a:rPr lang="it-IT" sz="1000" u="sng" dirty="0"/>
+              <a:t>Source</a:t>
+            </a:r>
+            <a:r>
+              <a:rPr lang="it-IT" sz="1000" dirty="0"/>
+              <a:t>: www.youtube.com/watch?v=egDWh7jnNic</a:t>
+            </a:r>
+            <a:endParaRPr lang="es-AR" sz="1000" dirty="0"/>
           </a:p>
         </p:txBody>
       </p:sp>
@@ -35403,6 +35444,37 @@
                                   </p:childTnLst>
                                 </p:cTn>
                               </p:par>
+                              <p:par>
+                                <p:cTn id="19" presetID="1" presetClass="entr" presetSubtype="0" fill="hold" nodeType="withEffect">
+                                  <p:stCondLst>
+                                    <p:cond delay="0"/>
+                                  </p:stCondLst>
+                                  <p:childTnLst>
+                                    <p:set>
+                                      <p:cBhvr>
+                                        <p:cTn id="20" dur="1" fill="hold">
+                                          <p:stCondLst>
+                                            <p:cond delay="0"/>
+                                          </p:stCondLst>
+                                        </p:cTn>
+                                        <p:tgtEl>
+                                          <p:spTgt spid="13">
+                                            <p:txEl>
+                                              <p:pRg st="0" end="0"/>
+                                            </p:txEl>
+                                          </p:spTgt>
+                                        </p:tgtEl>
+                                        <p:attrNameLst>
+                                          <p:attrName>style.visibility</p:attrName>
+                                        </p:attrNameLst>
+                                      </p:cBhvr>
+                                      <p:to>
+                                        <p:strVal val="visible"/>
+                                      </p:to>
+                                    </p:set>
+                                  </p:childTnLst>
+                                </p:cTn>
+                              </p:par>
                             </p:childTnLst>
                           </p:cTn>
                         </p:par>
@@ -35687,7 +35759,7 @@
         <p:spPr>
           <a:xfrm>
             <a:off x="388723" y="6257250"/>
-            <a:ext cx="3932197" cy="276999"/>
+            <a:ext cx="3932197" cy="246221"/>
           </a:xfrm>
           <a:prstGeom prst="rect">
             <a:avLst/>
@@ -35702,22 +35774,22 @@
           <a:p>
             <a:pPr algn="ctr"/>
             <a:r>
-              <a:rPr lang="it-IT" sz="1200" dirty="0"/>
+              <a:rPr lang="it-IT" sz="1000" dirty="0"/>
               <a:t>Reprinted from </a:t>
             </a:r>
             <a:r>
-              <a:rPr lang="pl-PL" sz="1200" b="0" i="0" dirty="0">
+              <a:rPr lang="pl-PL" sz="1000" b="0" i="0" dirty="0">
                 <a:effectLst/>
               </a:rPr>
               <a:t>J. Ko, A. Kurdila, and T. Strganac</a:t>
             </a:r>
             <a:r>
-              <a:rPr lang="it-IT" sz="1200" b="0" i="0" dirty="0">
+              <a:rPr lang="it-IT" sz="1000" b="0" i="0" dirty="0">
                 <a:effectLst/>
               </a:rPr>
               <a:t> [1997]</a:t>
             </a:r>
-            <a:endParaRPr lang="es-AR" sz="1200" dirty="0"/>
+            <a:endParaRPr lang="es-AR" sz="1000" dirty="0"/>
           </a:p>
         </p:txBody>
       </p:sp>

--- a/3. Presentation/Presentation.pptx
+++ b/3. Presentation/Presentation.pptx
@@ -31212,7 +31212,7 @@
           <a:lstStyle/>
           <a:p>
             <a:r>
-              <a:rPr lang="fr-FR" sz="1800" u="sng" dirty="0" err="1">
+              <a:rPr lang="fr-FR" sz="1800" u="sng" dirty="0">
                 <a:latin typeface="Georgia" panose="02040502050405020303" pitchFamily="18" charset="0"/>
               </a:rPr>
               <a:t>Author</a:t>
@@ -31233,7 +31233,7 @@
           </a:p>
           <a:p>
             <a:r>
-              <a:rPr lang="es-AR" sz="1800" u="sng" dirty="0" err="1">
+              <a:rPr lang="es-AR" sz="1800" u="sng" dirty="0">
                 <a:latin typeface="Georgia" panose="02040502050405020303" pitchFamily="18" charset="0"/>
               </a:rPr>
               <a:t>Supervisors</a:t>
@@ -31242,30 +31242,15 @@
               <a:rPr lang="es-AR" sz="1800" dirty="0">
                 <a:latin typeface="Georgia" panose="02040502050405020303" pitchFamily="18" charset="0"/>
               </a:rPr>
-              <a:t>: Emmeline </a:t>
-            </a:r>
-            <a:r>
-              <a:rPr lang="es-AR" sz="1800" dirty="0" err="1">
-                <a:latin typeface="Georgia" panose="02040502050405020303" pitchFamily="18" charset="0"/>
-              </a:rPr>
-              <a:t>Faïsse</a:t>
-            </a:r>
-            <a:endParaRPr lang="es-AR" sz="1800" dirty="0">
-              <a:latin typeface="Georgia" panose="02040502050405020303" pitchFamily="18" charset="0"/>
-            </a:endParaRPr>
+              <a:t>: Emmeline Faïsse</a:t>
+            </a:r>
           </a:p>
           <a:p>
             <a:r>
               <a:rPr lang="es-AR" sz="1800" dirty="0">
                 <a:latin typeface="Georgia" panose="02040502050405020303" pitchFamily="18" charset="0"/>
               </a:rPr>
-              <a:t>	        Joseph </a:t>
-            </a:r>
-            <a:r>
-              <a:rPr lang="es-AR" sz="1800" dirty="0" err="1">
-                <a:latin typeface="Georgia" panose="02040502050405020303" pitchFamily="18" charset="0"/>
-              </a:rPr>
-              <a:t>Morlier</a:t>
+              <a:t>	        Joseph Morlier</a:t>
             </a:r>
             <a:endParaRPr lang="fr-FR" dirty="0"/>
           </a:p>
